--- a/images.pptx
+++ b/images.pptx
@@ -3791,15 +3791,22 @@
             <a:lstStyle/>
             <a:p>
               <a:r>
-                <a:rPr kumimoji="1" lang="ja-JP" altLang="en-US" sz="2400" dirty="0">
+                <a:rPr lang="ja-JP" altLang="en-US" sz="2400" dirty="0">
                   <a:solidFill>
                     <a:schemeClr val="bg1"/>
                   </a:solidFill>
                   <a:latin typeface="A-OTF 太ゴB101 Pr6N Bold" panose="020B0500000000000000" pitchFamily="34" charset="-128"/>
                   <a:ea typeface="A-OTF 太ゴB101 Pr6N Bold" panose="020B0500000000000000" pitchFamily="34" charset="-128"/>
                 </a:rPr>
-                <a:t>プロセス</a:t>
+                <a:t>マシーン</a:t>
               </a:r>
+              <a:endParaRPr kumimoji="1" lang="ja-JP" altLang="en-US" sz="2400" dirty="0">
+                <a:solidFill>
+                  <a:schemeClr val="bg1"/>
+                </a:solidFill>
+                <a:latin typeface="A-OTF 太ゴB101 Pr6N Bold" panose="020B0500000000000000" pitchFamily="34" charset="-128"/>
+                <a:ea typeface="A-OTF 太ゴB101 Pr6N Bold" panose="020B0500000000000000" pitchFamily="34" charset="-128"/>
+              </a:endParaRPr>
             </a:p>
           </p:txBody>
         </p:sp>
@@ -4283,15 +4290,22 @@
             <a:lstStyle/>
             <a:p>
               <a:r>
-                <a:rPr kumimoji="1" lang="ja-JP" altLang="en-US" sz="2400" dirty="0">
+                <a:rPr kumimoji="1" lang="ja-JP" altLang="en-US" sz="2400">
                   <a:solidFill>
                     <a:schemeClr val="bg1"/>
                   </a:solidFill>
                   <a:latin typeface="A-OTF 太ゴB101 Pr6N Bold" panose="020B0500000000000000" pitchFamily="34" charset="-128"/>
                   <a:ea typeface="A-OTF 太ゴB101 Pr6N Bold" panose="020B0500000000000000" pitchFamily="34" charset="-128"/>
                 </a:rPr>
-                <a:t>プロセス</a:t>
+                <a:t>マシーン</a:t>
               </a:r>
+              <a:endParaRPr kumimoji="1" lang="ja-JP" altLang="en-US" sz="2400" dirty="0">
+                <a:solidFill>
+                  <a:schemeClr val="bg1"/>
+                </a:solidFill>
+                <a:latin typeface="A-OTF 太ゴB101 Pr6N Bold" panose="020B0500000000000000" pitchFamily="34" charset="-128"/>
+                <a:ea typeface="A-OTF 太ゴB101 Pr6N Bold" panose="020B0500000000000000" pitchFamily="34" charset="-128"/>
+              </a:endParaRPr>
             </a:p>
           </p:txBody>
         </p:sp>
@@ -4538,7 +4552,7 @@
                   <a:latin typeface="A-OTF 太ゴB101 Pr6N Bold" panose="020B0500000000000000" pitchFamily="34" charset="-128"/>
                   <a:ea typeface="A-OTF 太ゴB101 Pr6N Bold" panose="020B0500000000000000" pitchFamily="34" charset="-128"/>
                 </a:rPr>
-                <a:t>プロセス</a:t>
+                <a:t>マシーン</a:t>
               </a:r>
             </a:p>
           </p:txBody>
